--- a/notebooks/eda.pptx
+++ b/notebooks/eda.pptx
@@ -4229,7 +4229,7 @@
         </p:nvSpPr>
         <p:spPr>
           <a:xfrm>
-            <a:off x="4241714" y="4811184"/>
+            <a:off x="4241714" y="4836584"/>
             <a:ext cx="1049454" cy="461665"/>
           </a:xfrm>
           <a:prstGeom prst="rect">
@@ -4270,7 +4270,7 @@
         </p:nvSpPr>
         <p:spPr>
           <a:xfrm>
-            <a:off x="5702651" y="4811184"/>
+            <a:off x="5702651" y="4836584"/>
             <a:ext cx="1049454" cy="276999"/>
           </a:xfrm>
           <a:prstGeom prst="rect">
@@ -4305,7 +4305,7 @@
         </p:nvSpPr>
         <p:spPr>
           <a:xfrm>
-            <a:off x="7095556" y="4811184"/>
+            <a:off x="7095556" y="4836584"/>
             <a:ext cx="1049454" cy="276999"/>
           </a:xfrm>
           <a:prstGeom prst="rect">

--- a/notebooks/eda.pptx
+++ b/notebooks/eda.pptx
@@ -5,10 +5,11 @@
     <p:sldMasterId id="2147483648" r:id="rId1"/>
   </p:sldMasterIdLst>
   <p:notesMasterIdLst>
-    <p:notesMasterId r:id="rId3"/>
+    <p:notesMasterId r:id="rId4"/>
   </p:notesMasterIdLst>
   <p:sldIdLst>
     <p:sldId id="256" r:id="rId2"/>
+    <p:sldId id="257" r:id="rId3"/>
   </p:sldIdLst>
   <p:sldSz cx="12192000" cy="6858000"/>
   <p:notesSz cx="6858000" cy="9144000"/>
@@ -107,6 +108,11 @@
       </a:defRPr>
     </a:lvl9pPr>
   </p:defaultTextStyle>
+  <p:extLst>
+    <p:ext uri="{EFAFB233-063F-42B5-8137-9DF3F51BA10A}">
+      <p15:sldGuideLst xmlns:p15="http://schemas.microsoft.com/office/powerpoint/2012/main"/>
+    </p:ext>
+  </p:extLst>
 </p:presentation>
 </file>
 
@@ -192,7 +198,7 @@
           <a:p>
             <a:fld id="{A47A4FA4-3CC6-2A49-820E-55F28E5436CE}" type="datetimeFigureOut">
               <a:rPr lang="en-NL" smtClean="0"/>
-              <a:t>19/03/2023</a:t>
+              <a:t>16/04/2023</a:t>
             </a:fld>
             <a:endParaRPr lang="en-NL"/>
           </a:p>
@@ -544,6 +550,90 @@
 </p:notes>
 </file>
 
+<file path=ppt/notesSlides/notesSlide2.xml><?xml version="1.0" encoding="utf-8"?>
+<p:notes xmlns:a="http://schemas.openxmlformats.org/drawingml/2006/main" xmlns:r="http://schemas.openxmlformats.org/officeDocument/2006/relationships" xmlns:p="http://schemas.openxmlformats.org/presentationml/2006/main">
+  <p:cSld>
+    <p:spTree>
+      <p:nvGrpSpPr>
+        <p:cNvPr id="1" name=""/>
+        <p:cNvGrpSpPr/>
+        <p:nvPr/>
+      </p:nvGrpSpPr>
+      <p:grpSpPr>
+        <a:xfrm>
+          <a:off x="0" y="0"/>
+          <a:ext cx="0" cy="0"/>
+          <a:chOff x="0" y="0"/>
+          <a:chExt cx="0" cy="0"/>
+        </a:xfrm>
+      </p:grpSpPr>
+      <p:sp>
+        <p:nvSpPr>
+          <p:cNvPr id="2" name="Slide Image Placeholder 1"/>
+          <p:cNvSpPr>
+            <a:spLocks noGrp="1" noRot="1" noChangeAspect="1"/>
+          </p:cNvSpPr>
+          <p:nvPr>
+            <p:ph type="sldImg"/>
+          </p:nvPr>
+        </p:nvSpPr>
+        <p:spPr/>
+      </p:sp>
+      <p:sp>
+        <p:nvSpPr>
+          <p:cNvPr id="3" name="Notes Placeholder 2"/>
+          <p:cNvSpPr>
+            <a:spLocks noGrp="1"/>
+          </p:cNvSpPr>
+          <p:nvPr>
+            <p:ph type="body" idx="1"/>
+          </p:nvPr>
+        </p:nvSpPr>
+        <p:spPr/>
+        <p:txBody>
+          <a:bodyPr/>
+          <a:lstStyle/>
+          <a:p>
+            <a:endParaRPr lang="en-NL" dirty="0"/>
+          </a:p>
+        </p:txBody>
+      </p:sp>
+      <p:sp>
+        <p:nvSpPr>
+          <p:cNvPr id="4" name="Slide Number Placeholder 3"/>
+          <p:cNvSpPr>
+            <a:spLocks noGrp="1"/>
+          </p:cNvSpPr>
+          <p:nvPr>
+            <p:ph type="sldNum" sz="quarter" idx="5"/>
+          </p:nvPr>
+        </p:nvSpPr>
+        <p:spPr/>
+        <p:txBody>
+          <a:bodyPr/>
+          <a:lstStyle/>
+          <a:p>
+            <a:fld id="{954385E1-93D6-1D4D-BC84-A5958E759312}" type="slidenum">
+              <a:rPr lang="en-NL" smtClean="0"/>
+              <a:t>2</a:t>
+            </a:fld>
+            <a:endParaRPr lang="en-NL"/>
+          </a:p>
+        </p:txBody>
+      </p:sp>
+    </p:spTree>
+    <p:extLst>
+      <p:ext uri="{BB962C8B-B14F-4D97-AF65-F5344CB8AC3E}">
+        <p14:creationId xmlns:p14="http://schemas.microsoft.com/office/powerpoint/2010/main" val="263915076"/>
+      </p:ext>
+    </p:extLst>
+  </p:cSld>
+  <p:clrMapOvr>
+    <a:masterClrMapping/>
+  </p:clrMapOvr>
+</p:notes>
+</file>
+
 <file path=ppt/slideLayouts/slideLayout1.xml><?xml version="1.0" encoding="utf-8"?>
 <p:sldLayout xmlns:a="http://schemas.openxmlformats.org/drawingml/2006/main" xmlns:r="http://schemas.openxmlformats.org/officeDocument/2006/relationships" xmlns:p="http://schemas.openxmlformats.org/presentationml/2006/main" type="title" preserve="1">
   <p:cSld name="Title Slide">
@@ -693,7 +783,7 @@
           <a:p>
             <a:fld id="{3E617354-10A5-A443-90D9-BC327098887C}" type="datetimeFigureOut">
               <a:rPr lang="en-NL" smtClean="0"/>
-              <a:t>19/03/2023</a:t>
+              <a:t>16/04/2023</a:t>
             </a:fld>
             <a:endParaRPr lang="en-NL"/>
           </a:p>
@@ -893,7 +983,7 @@
           <a:p>
             <a:fld id="{3E617354-10A5-A443-90D9-BC327098887C}" type="datetimeFigureOut">
               <a:rPr lang="en-NL" smtClean="0"/>
-              <a:t>19/03/2023</a:t>
+              <a:t>16/04/2023</a:t>
             </a:fld>
             <a:endParaRPr lang="en-NL"/>
           </a:p>
@@ -1103,7 +1193,7 @@
           <a:p>
             <a:fld id="{3E617354-10A5-A443-90D9-BC327098887C}" type="datetimeFigureOut">
               <a:rPr lang="en-NL" smtClean="0"/>
-              <a:t>19/03/2023</a:t>
+              <a:t>16/04/2023</a:t>
             </a:fld>
             <a:endParaRPr lang="en-NL"/>
           </a:p>
@@ -1303,7 +1393,7 @@
           <a:p>
             <a:fld id="{3E617354-10A5-A443-90D9-BC327098887C}" type="datetimeFigureOut">
               <a:rPr lang="en-NL" smtClean="0"/>
-              <a:t>19/03/2023</a:t>
+              <a:t>16/04/2023</a:t>
             </a:fld>
             <a:endParaRPr lang="en-NL"/>
           </a:p>
@@ -1579,7 +1669,7 @@
           <a:p>
             <a:fld id="{3E617354-10A5-A443-90D9-BC327098887C}" type="datetimeFigureOut">
               <a:rPr lang="en-NL" smtClean="0"/>
-              <a:t>19/03/2023</a:t>
+              <a:t>16/04/2023</a:t>
             </a:fld>
             <a:endParaRPr lang="en-NL"/>
           </a:p>
@@ -1847,7 +1937,7 @@
           <a:p>
             <a:fld id="{3E617354-10A5-A443-90D9-BC327098887C}" type="datetimeFigureOut">
               <a:rPr lang="en-NL" smtClean="0"/>
-              <a:t>19/03/2023</a:t>
+              <a:t>16/04/2023</a:t>
             </a:fld>
             <a:endParaRPr lang="en-NL"/>
           </a:p>
@@ -2262,7 +2352,7 @@
           <a:p>
             <a:fld id="{3E617354-10A5-A443-90D9-BC327098887C}" type="datetimeFigureOut">
               <a:rPr lang="en-NL" smtClean="0"/>
-              <a:t>19/03/2023</a:t>
+              <a:t>16/04/2023</a:t>
             </a:fld>
             <a:endParaRPr lang="en-NL"/>
           </a:p>
@@ -2404,7 +2494,7 @@
           <a:p>
             <a:fld id="{3E617354-10A5-A443-90D9-BC327098887C}" type="datetimeFigureOut">
               <a:rPr lang="en-NL" smtClean="0"/>
-              <a:t>19/03/2023</a:t>
+              <a:t>16/04/2023</a:t>
             </a:fld>
             <a:endParaRPr lang="en-NL"/>
           </a:p>
@@ -2517,7 +2607,7 @@
           <a:p>
             <a:fld id="{3E617354-10A5-A443-90D9-BC327098887C}" type="datetimeFigureOut">
               <a:rPr lang="en-NL" smtClean="0"/>
-              <a:t>19/03/2023</a:t>
+              <a:t>16/04/2023</a:t>
             </a:fld>
             <a:endParaRPr lang="en-NL"/>
           </a:p>
@@ -2830,7 +2920,7 @@
           <a:p>
             <a:fld id="{3E617354-10A5-A443-90D9-BC327098887C}" type="datetimeFigureOut">
               <a:rPr lang="en-NL" smtClean="0"/>
-              <a:t>19/03/2023</a:t>
+              <a:t>16/04/2023</a:t>
             </a:fld>
             <a:endParaRPr lang="en-NL"/>
           </a:p>
@@ -3119,7 +3209,7 @@
           <a:p>
             <a:fld id="{3E617354-10A5-A443-90D9-BC327098887C}" type="datetimeFigureOut">
               <a:rPr lang="en-NL" smtClean="0"/>
-              <a:t>19/03/2023</a:t>
+              <a:t>16/04/2023</a:t>
             </a:fld>
             <a:endParaRPr lang="en-NL"/>
           </a:p>
@@ -3362,7 +3452,7 @@
           <a:p>
             <a:fld id="{3E617354-10A5-A443-90D9-BC327098887C}" type="datetimeFigureOut">
               <a:rPr lang="en-NL" smtClean="0"/>
-              <a:t>19/03/2023</a:t>
+              <a:t>16/04/2023</a:t>
             </a:fld>
             <a:endParaRPr lang="en-NL"/>
           </a:p>
@@ -5510,6 +5600,2137 @@
     <p:extLst>
       <p:ext uri="{BB962C8B-B14F-4D97-AF65-F5344CB8AC3E}">
         <p14:creationId xmlns:p14="http://schemas.microsoft.com/office/powerpoint/2010/main" val="499091090"/>
+      </p:ext>
+    </p:extLst>
+  </p:cSld>
+  <p:clrMapOvr>
+    <a:masterClrMapping/>
+  </p:clrMapOvr>
+</p:sld>
+</file>
+
+<file path=ppt/slides/slide2.xml><?xml version="1.0" encoding="utf-8"?>
+<p:sld xmlns:a="http://schemas.openxmlformats.org/drawingml/2006/main" xmlns:r="http://schemas.openxmlformats.org/officeDocument/2006/relationships" xmlns:p="http://schemas.openxmlformats.org/presentationml/2006/main">
+  <p:cSld>
+    <p:spTree>
+      <p:nvGrpSpPr>
+        <p:cNvPr id="1" name=""/>
+        <p:cNvGrpSpPr/>
+        <p:nvPr/>
+      </p:nvGrpSpPr>
+      <p:grpSpPr>
+        <a:xfrm>
+          <a:off x="0" y="0"/>
+          <a:ext cx="0" cy="0"/>
+          <a:chOff x="0" y="0"/>
+          <a:chExt cx="0" cy="0"/>
+        </a:xfrm>
+      </p:grpSpPr>
+      <p:sp>
+        <p:nvSpPr>
+          <p:cNvPr id="4" name="Can 3">
+            <a:extLst>
+              <a:ext uri="{FF2B5EF4-FFF2-40B4-BE49-F238E27FC236}">
+                <a16:creationId xmlns:a16="http://schemas.microsoft.com/office/drawing/2014/main" id="{12C68C2B-1E10-4A40-8C2C-1DA0AF5CFF09}"/>
+              </a:ext>
+            </a:extLst>
+          </p:cNvPr>
+          <p:cNvSpPr/>
+          <p:nvPr/>
+        </p:nvSpPr>
+        <p:spPr>
+          <a:xfrm>
+            <a:off x="4361613" y="3894717"/>
+            <a:ext cx="851338" cy="819806"/>
+          </a:xfrm>
+          <a:prstGeom prst="can">
+            <a:avLst/>
+          </a:prstGeom>
+        </p:spPr>
+        <p:style>
+          <a:lnRef idx="2">
+            <a:schemeClr val="accent1">
+              <a:shade val="50000"/>
+            </a:schemeClr>
+          </a:lnRef>
+          <a:fillRef idx="1">
+            <a:schemeClr val="accent1"/>
+          </a:fillRef>
+          <a:effectRef idx="0">
+            <a:schemeClr val="accent1"/>
+          </a:effectRef>
+          <a:fontRef idx="minor">
+            <a:schemeClr val="lt1"/>
+          </a:fontRef>
+        </p:style>
+        <p:txBody>
+          <a:bodyPr rtlCol="0" anchor="ctr"/>
+          <a:lstStyle/>
+          <a:p>
+            <a:pPr algn="ctr"/>
+            <a:endParaRPr lang="en-NL"/>
+          </a:p>
+        </p:txBody>
+      </p:sp>
+      <p:sp>
+        <p:nvSpPr>
+          <p:cNvPr id="5" name="Can 4">
+            <a:extLst>
+              <a:ext uri="{FF2B5EF4-FFF2-40B4-BE49-F238E27FC236}">
+                <a16:creationId xmlns:a16="http://schemas.microsoft.com/office/drawing/2014/main" id="{8F4D8B22-2225-ADCA-3DDC-29DE034D838F}"/>
+              </a:ext>
+            </a:extLst>
+          </p:cNvPr>
+          <p:cNvSpPr/>
+          <p:nvPr/>
+        </p:nvSpPr>
+        <p:spPr>
+          <a:xfrm>
+            <a:off x="5838780" y="3894717"/>
+            <a:ext cx="851338" cy="819806"/>
+          </a:xfrm>
+          <a:prstGeom prst="can">
+            <a:avLst/>
+          </a:prstGeom>
+          <a:solidFill>
+            <a:schemeClr val="accent2">
+              <a:lumMod val="75000"/>
+            </a:schemeClr>
+          </a:solidFill>
+        </p:spPr>
+        <p:style>
+          <a:lnRef idx="2">
+            <a:schemeClr val="accent1">
+              <a:shade val="50000"/>
+            </a:schemeClr>
+          </a:lnRef>
+          <a:fillRef idx="1">
+            <a:schemeClr val="accent1"/>
+          </a:fillRef>
+          <a:effectRef idx="0">
+            <a:schemeClr val="accent1"/>
+          </a:effectRef>
+          <a:fontRef idx="minor">
+            <a:schemeClr val="lt1"/>
+          </a:fontRef>
+        </p:style>
+        <p:txBody>
+          <a:bodyPr rtlCol="0" anchor="ctr"/>
+          <a:lstStyle/>
+          <a:p>
+            <a:pPr algn="ctr"/>
+            <a:endParaRPr lang="en-NL"/>
+          </a:p>
+        </p:txBody>
+      </p:sp>
+      <p:sp>
+        <p:nvSpPr>
+          <p:cNvPr id="6" name="Can 5">
+            <a:extLst>
+              <a:ext uri="{FF2B5EF4-FFF2-40B4-BE49-F238E27FC236}">
+                <a16:creationId xmlns:a16="http://schemas.microsoft.com/office/drawing/2014/main" id="{24ECB1BE-223C-6B17-F7B0-C6E00F1B82BF}"/>
+              </a:ext>
+            </a:extLst>
+          </p:cNvPr>
+          <p:cNvSpPr/>
+          <p:nvPr/>
+        </p:nvSpPr>
+        <p:spPr>
+          <a:xfrm>
+            <a:off x="7067958" y="3888098"/>
+            <a:ext cx="851338" cy="819806"/>
+          </a:xfrm>
+          <a:prstGeom prst="can">
+            <a:avLst/>
+          </a:prstGeom>
+          <a:solidFill>
+            <a:schemeClr val="accent6">
+              <a:lumMod val="75000"/>
+            </a:schemeClr>
+          </a:solidFill>
+        </p:spPr>
+        <p:style>
+          <a:lnRef idx="2">
+            <a:schemeClr val="accent1">
+              <a:shade val="50000"/>
+            </a:schemeClr>
+          </a:lnRef>
+          <a:fillRef idx="1">
+            <a:schemeClr val="accent1"/>
+          </a:fillRef>
+          <a:effectRef idx="0">
+            <a:schemeClr val="accent1"/>
+          </a:effectRef>
+          <a:fontRef idx="minor">
+            <a:schemeClr val="lt1"/>
+          </a:fontRef>
+        </p:style>
+        <p:txBody>
+          <a:bodyPr rtlCol="0" anchor="ctr"/>
+          <a:lstStyle/>
+          <a:p>
+            <a:pPr algn="ctr"/>
+            <a:endParaRPr lang="en-NL"/>
+          </a:p>
+        </p:txBody>
+      </p:sp>
+      <p:sp>
+        <p:nvSpPr>
+          <p:cNvPr id="7" name="TextBox 6">
+            <a:extLst>
+              <a:ext uri="{FF2B5EF4-FFF2-40B4-BE49-F238E27FC236}">
+                <a16:creationId xmlns:a16="http://schemas.microsoft.com/office/drawing/2014/main" id="{B6CFA337-91FA-1B35-AD52-5FB0B248D67F}"/>
+              </a:ext>
+            </a:extLst>
+          </p:cNvPr>
+          <p:cNvSpPr txBox="1"/>
+          <p:nvPr/>
+        </p:nvSpPr>
+        <p:spPr>
+          <a:xfrm>
+            <a:off x="2670840" y="4307465"/>
+            <a:ext cx="1423018" cy="369332"/>
+          </a:xfrm>
+          <a:prstGeom prst="rect">
+            <a:avLst/>
+          </a:prstGeom>
+          <a:noFill/>
+        </p:spPr>
+        <p:txBody>
+          <a:bodyPr wrap="none" rtlCol="0">
+            <a:spAutoFit/>
+          </a:bodyPr>
+          <a:lstStyle/>
+          <a:p>
+            <a:r>
+              <a:rPr lang="en-NL" b="1" dirty="0"/>
+              <a:t>Data Owners</a:t>
+            </a:r>
+          </a:p>
+        </p:txBody>
+      </p:sp>
+      <p:sp>
+        <p:nvSpPr>
+          <p:cNvPr id="8" name="Rectangle 7">
+            <a:extLst>
+              <a:ext uri="{FF2B5EF4-FFF2-40B4-BE49-F238E27FC236}">
+                <a16:creationId xmlns:a16="http://schemas.microsoft.com/office/drawing/2014/main" id="{206BA591-91A9-E0B2-DACD-A9D338DDBADB}"/>
+              </a:ext>
+            </a:extLst>
+          </p:cNvPr>
+          <p:cNvSpPr/>
+          <p:nvPr/>
+        </p:nvSpPr>
+        <p:spPr>
+          <a:xfrm>
+            <a:off x="4113486" y="1900026"/>
+            <a:ext cx="3965027" cy="1618593"/>
+          </a:xfrm>
+          <a:prstGeom prst="rect">
+            <a:avLst/>
+          </a:prstGeom>
+          <a:solidFill>
+            <a:schemeClr val="bg2"/>
+          </a:solidFill>
+        </p:spPr>
+        <p:style>
+          <a:lnRef idx="2">
+            <a:schemeClr val="accent1">
+              <a:shade val="50000"/>
+            </a:schemeClr>
+          </a:lnRef>
+          <a:fillRef idx="1">
+            <a:schemeClr val="accent1"/>
+          </a:fillRef>
+          <a:effectRef idx="0">
+            <a:schemeClr val="accent1"/>
+          </a:effectRef>
+          <a:fontRef idx="minor">
+            <a:schemeClr val="lt1"/>
+          </a:fontRef>
+        </p:style>
+        <p:txBody>
+          <a:bodyPr rtlCol="0" anchor="ctr"/>
+          <a:lstStyle/>
+          <a:p>
+            <a:pPr algn="ctr"/>
+            <a:endParaRPr lang="en-NL"/>
+          </a:p>
+        </p:txBody>
+      </p:sp>
+      <p:sp>
+        <p:nvSpPr>
+          <p:cNvPr id="9" name="TextBox 8">
+            <a:extLst>
+              <a:ext uri="{FF2B5EF4-FFF2-40B4-BE49-F238E27FC236}">
+                <a16:creationId xmlns:a16="http://schemas.microsoft.com/office/drawing/2014/main" id="{A02A8FA1-AB1F-3FE8-AD0E-828372ED3915}"/>
+              </a:ext>
+            </a:extLst>
+          </p:cNvPr>
+          <p:cNvSpPr txBox="1"/>
+          <p:nvPr/>
+        </p:nvSpPr>
+        <p:spPr>
+          <a:xfrm>
+            <a:off x="2670840" y="2524656"/>
+            <a:ext cx="1297150" cy="369332"/>
+          </a:xfrm>
+          <a:prstGeom prst="rect">
+            <a:avLst/>
+          </a:prstGeom>
+          <a:noFill/>
+        </p:spPr>
+        <p:txBody>
+          <a:bodyPr wrap="none" rtlCol="0">
+            <a:spAutoFit/>
+          </a:bodyPr>
+          <a:lstStyle/>
+          <a:p>
+            <a:r>
+              <a:rPr lang="en-NL" b="1" dirty="0"/>
+              <a:t>Consortium</a:t>
+            </a:r>
+          </a:p>
+        </p:txBody>
+      </p:sp>
+      <p:pic>
+        <p:nvPicPr>
+          <p:cNvPr id="11" name="Graphic 10" descr="Programmer male with solid fill">
+            <a:extLst>
+              <a:ext uri="{FF2B5EF4-FFF2-40B4-BE49-F238E27FC236}">
+                <a16:creationId xmlns:a16="http://schemas.microsoft.com/office/drawing/2014/main" id="{73213FE7-96A4-899F-5EDF-130142BE7E05}"/>
+              </a:ext>
+            </a:extLst>
+          </p:cNvPr>
+          <p:cNvPicPr>
+            <a:picLocks noChangeAspect="1"/>
+          </p:cNvPicPr>
+          <p:nvPr/>
+        </p:nvPicPr>
+        <p:blipFill>
+          <a:blip r:embed="rId3">
+            <a:extLst>
+              <a:ext uri="{96DAC541-7B7A-43D3-8B79-37D633B846F1}">
+                <asvg:svgBlip xmlns:asvg="http://schemas.microsoft.com/office/drawing/2016/SVG/main" r:embed="rId4"/>
+              </a:ext>
+            </a:extLst>
+          </a:blip>
+          <a:stretch>
+            <a:fillRect/>
+          </a:stretch>
+        </p:blipFill>
+        <p:spPr>
+          <a:xfrm>
+            <a:off x="5729592" y="649294"/>
+            <a:ext cx="914400" cy="914400"/>
+          </a:xfrm>
+          <a:prstGeom prst="rect">
+            <a:avLst/>
+          </a:prstGeom>
+        </p:spPr>
+      </p:pic>
+      <p:sp>
+        <p:nvSpPr>
+          <p:cNvPr id="12" name="TextBox 11">
+            <a:extLst>
+              <a:ext uri="{FF2B5EF4-FFF2-40B4-BE49-F238E27FC236}">
+                <a16:creationId xmlns:a16="http://schemas.microsoft.com/office/drawing/2014/main" id="{246EB09A-8EB4-2B27-D524-C1BCAEBFCF9B}"/>
+              </a:ext>
+            </a:extLst>
+          </p:cNvPr>
+          <p:cNvSpPr txBox="1"/>
+          <p:nvPr/>
+        </p:nvSpPr>
+        <p:spPr>
+          <a:xfrm>
+            <a:off x="2491303" y="1106494"/>
+            <a:ext cx="1725729" cy="369332"/>
+          </a:xfrm>
+          <a:prstGeom prst="rect">
+            <a:avLst/>
+          </a:prstGeom>
+          <a:noFill/>
+        </p:spPr>
+        <p:txBody>
+          <a:bodyPr wrap="none" rtlCol="0">
+            <a:spAutoFit/>
+          </a:bodyPr>
+          <a:lstStyle/>
+          <a:p>
+            <a:r>
+              <a:rPr lang="en-NL" b="1" dirty="0"/>
+              <a:t>Data Scientist(s)</a:t>
+            </a:r>
+          </a:p>
+        </p:txBody>
+      </p:sp>
+      <p:sp>
+        <p:nvSpPr>
+          <p:cNvPr id="14" name="Rectangle 13">
+            <a:extLst>
+              <a:ext uri="{FF2B5EF4-FFF2-40B4-BE49-F238E27FC236}">
+                <a16:creationId xmlns:a16="http://schemas.microsoft.com/office/drawing/2014/main" id="{A0D9BFC6-DBE6-E834-A47B-FF02711BCBF1}"/>
+              </a:ext>
+            </a:extLst>
+          </p:cNvPr>
+          <p:cNvSpPr/>
+          <p:nvPr/>
+        </p:nvSpPr>
+        <p:spPr>
+          <a:xfrm>
+            <a:off x="5511815" y="2246115"/>
+            <a:ext cx="45719" cy="1250731"/>
+          </a:xfrm>
+          <a:prstGeom prst="rect">
+            <a:avLst/>
+          </a:prstGeom>
+          <a:solidFill>
+            <a:schemeClr val="tx1">
+              <a:lumMod val="50000"/>
+              <a:lumOff val="50000"/>
+            </a:schemeClr>
+          </a:solidFill>
+        </p:spPr>
+        <p:style>
+          <a:lnRef idx="2">
+            <a:schemeClr val="accent1">
+              <a:shade val="50000"/>
+            </a:schemeClr>
+          </a:lnRef>
+          <a:fillRef idx="1">
+            <a:schemeClr val="accent1"/>
+          </a:fillRef>
+          <a:effectRef idx="0">
+            <a:schemeClr val="accent1"/>
+          </a:effectRef>
+          <a:fontRef idx="minor">
+            <a:schemeClr val="lt1"/>
+          </a:fontRef>
+        </p:style>
+        <p:txBody>
+          <a:bodyPr rtlCol="0" anchor="ctr"/>
+          <a:lstStyle/>
+          <a:p>
+            <a:pPr algn="ctr"/>
+            <a:endParaRPr lang="en-NL"/>
+          </a:p>
+        </p:txBody>
+      </p:sp>
+      <p:sp>
+        <p:nvSpPr>
+          <p:cNvPr id="15" name="Can 14">
+            <a:extLst>
+              <a:ext uri="{FF2B5EF4-FFF2-40B4-BE49-F238E27FC236}">
+                <a16:creationId xmlns:a16="http://schemas.microsoft.com/office/drawing/2014/main" id="{ACBF0419-C28C-4B66-436A-5D83F1C9C550}"/>
+              </a:ext>
+            </a:extLst>
+          </p:cNvPr>
+          <p:cNvSpPr/>
+          <p:nvPr/>
+        </p:nvSpPr>
+        <p:spPr>
+          <a:xfrm>
+            <a:off x="4507678" y="2992973"/>
+            <a:ext cx="609945" cy="306004"/>
+          </a:xfrm>
+          <a:prstGeom prst="can">
+            <a:avLst/>
+          </a:prstGeom>
+        </p:spPr>
+        <p:style>
+          <a:lnRef idx="2">
+            <a:schemeClr val="accent1">
+              <a:shade val="50000"/>
+            </a:schemeClr>
+          </a:lnRef>
+          <a:fillRef idx="1">
+            <a:schemeClr val="accent1"/>
+          </a:fillRef>
+          <a:effectRef idx="0">
+            <a:schemeClr val="accent1"/>
+          </a:effectRef>
+          <a:fontRef idx="minor">
+            <a:schemeClr val="lt1"/>
+          </a:fontRef>
+        </p:style>
+        <p:txBody>
+          <a:bodyPr rtlCol="0" anchor="ctr"/>
+          <a:lstStyle/>
+          <a:p>
+            <a:pPr algn="ctr"/>
+            <a:r>
+              <a:rPr lang="en-NL" sz="800" dirty="0"/>
+              <a:t>Private Data</a:t>
+            </a:r>
+          </a:p>
+        </p:txBody>
+      </p:sp>
+      <p:sp>
+        <p:nvSpPr>
+          <p:cNvPr id="16" name="TextBox 15">
+            <a:extLst>
+              <a:ext uri="{FF2B5EF4-FFF2-40B4-BE49-F238E27FC236}">
+                <a16:creationId xmlns:a16="http://schemas.microsoft.com/office/drawing/2014/main" id="{8128E820-7386-2EBE-8857-FDC57F81F360}"/>
+              </a:ext>
+            </a:extLst>
+          </p:cNvPr>
+          <p:cNvSpPr txBox="1"/>
+          <p:nvPr/>
+        </p:nvSpPr>
+        <p:spPr>
+          <a:xfrm>
+            <a:off x="4261200" y="4690023"/>
+            <a:ext cx="1049454" cy="276999"/>
+          </a:xfrm>
+          <a:prstGeom prst="rect">
+            <a:avLst/>
+          </a:prstGeom>
+          <a:noFill/>
+        </p:spPr>
+        <p:txBody>
+          <a:bodyPr wrap="none" rtlCol="0">
+            <a:spAutoFit/>
+          </a:bodyPr>
+          <a:lstStyle/>
+          <a:p>
+            <a:r>
+              <a:rPr lang="en-NL" sz="1200" dirty="0"/>
+              <a:t>Airline Fleet 1</a:t>
+            </a:r>
+          </a:p>
+        </p:txBody>
+      </p:sp>
+      <p:sp>
+        <p:nvSpPr>
+          <p:cNvPr id="17" name="TextBox 16">
+            <a:extLst>
+              <a:ext uri="{FF2B5EF4-FFF2-40B4-BE49-F238E27FC236}">
+                <a16:creationId xmlns:a16="http://schemas.microsoft.com/office/drawing/2014/main" id="{0E2967B7-A514-F3BC-F7C2-BC8DE61BBDA0}"/>
+              </a:ext>
+            </a:extLst>
+          </p:cNvPr>
+          <p:cNvSpPr txBox="1"/>
+          <p:nvPr/>
+        </p:nvSpPr>
+        <p:spPr>
+          <a:xfrm>
+            <a:off x="5708288" y="4692190"/>
+            <a:ext cx="1049454" cy="276999"/>
+          </a:xfrm>
+          <a:prstGeom prst="rect">
+            <a:avLst/>
+          </a:prstGeom>
+          <a:noFill/>
+        </p:spPr>
+        <p:txBody>
+          <a:bodyPr wrap="none" rtlCol="0">
+            <a:spAutoFit/>
+          </a:bodyPr>
+          <a:lstStyle/>
+          <a:p>
+            <a:r>
+              <a:rPr lang="en-NL" sz="1200" dirty="0"/>
+              <a:t>Airline Fleet 2</a:t>
+            </a:r>
+          </a:p>
+        </p:txBody>
+      </p:sp>
+      <p:sp>
+        <p:nvSpPr>
+          <p:cNvPr id="18" name="TextBox 17">
+            <a:extLst>
+              <a:ext uri="{FF2B5EF4-FFF2-40B4-BE49-F238E27FC236}">
+                <a16:creationId xmlns:a16="http://schemas.microsoft.com/office/drawing/2014/main" id="{CAACD95F-A268-8A78-88E6-1C91AA720048}"/>
+              </a:ext>
+            </a:extLst>
+          </p:cNvPr>
+          <p:cNvSpPr txBox="1"/>
+          <p:nvPr/>
+        </p:nvSpPr>
+        <p:spPr>
+          <a:xfrm>
+            <a:off x="7089740" y="4696086"/>
+            <a:ext cx="1049454" cy="276999"/>
+          </a:xfrm>
+          <a:prstGeom prst="rect">
+            <a:avLst/>
+          </a:prstGeom>
+          <a:noFill/>
+        </p:spPr>
+        <p:txBody>
+          <a:bodyPr wrap="none" rtlCol="0">
+            <a:spAutoFit/>
+          </a:bodyPr>
+          <a:lstStyle/>
+          <a:p>
+            <a:r>
+              <a:rPr lang="en-NL" sz="1200" dirty="0"/>
+              <a:t>Airline Fleet 3</a:t>
+            </a:r>
+          </a:p>
+        </p:txBody>
+      </p:sp>
+      <p:sp>
+        <p:nvSpPr>
+          <p:cNvPr id="19" name="Rectangle 18">
+            <a:extLst>
+              <a:ext uri="{FF2B5EF4-FFF2-40B4-BE49-F238E27FC236}">
+                <a16:creationId xmlns:a16="http://schemas.microsoft.com/office/drawing/2014/main" id="{5E5D7336-3AF1-39AE-21B2-8990360D5B62}"/>
+              </a:ext>
+            </a:extLst>
+          </p:cNvPr>
+          <p:cNvSpPr/>
+          <p:nvPr/>
+        </p:nvSpPr>
+        <p:spPr>
+          <a:xfrm>
+            <a:off x="6833731" y="2246115"/>
+            <a:ext cx="45719" cy="1250731"/>
+          </a:xfrm>
+          <a:prstGeom prst="rect">
+            <a:avLst/>
+          </a:prstGeom>
+          <a:solidFill>
+            <a:schemeClr val="tx1">
+              <a:lumMod val="50000"/>
+              <a:lumOff val="50000"/>
+            </a:schemeClr>
+          </a:solidFill>
+        </p:spPr>
+        <p:style>
+          <a:lnRef idx="2">
+            <a:schemeClr val="accent1">
+              <a:shade val="50000"/>
+            </a:schemeClr>
+          </a:lnRef>
+          <a:fillRef idx="1">
+            <a:schemeClr val="accent1"/>
+          </a:fillRef>
+          <a:effectRef idx="0">
+            <a:schemeClr val="accent1"/>
+          </a:effectRef>
+          <a:fontRef idx="minor">
+            <a:schemeClr val="lt1"/>
+          </a:fontRef>
+        </p:style>
+        <p:txBody>
+          <a:bodyPr rtlCol="0" anchor="ctr"/>
+          <a:lstStyle/>
+          <a:p>
+            <a:pPr algn="ctr"/>
+            <a:endParaRPr lang="en-NL"/>
+          </a:p>
+        </p:txBody>
+      </p:sp>
+      <p:sp>
+        <p:nvSpPr>
+          <p:cNvPr id="20" name="Can 19">
+            <a:extLst>
+              <a:ext uri="{FF2B5EF4-FFF2-40B4-BE49-F238E27FC236}">
+                <a16:creationId xmlns:a16="http://schemas.microsoft.com/office/drawing/2014/main" id="{A4359FBA-A8CB-F0B1-EE10-0243929F8AA4}"/>
+              </a:ext>
+            </a:extLst>
+          </p:cNvPr>
+          <p:cNvSpPr/>
+          <p:nvPr/>
+        </p:nvSpPr>
+        <p:spPr>
+          <a:xfrm>
+            <a:off x="5938270" y="2992973"/>
+            <a:ext cx="609945" cy="306004"/>
+          </a:xfrm>
+          <a:prstGeom prst="can">
+            <a:avLst/>
+          </a:prstGeom>
+          <a:solidFill>
+            <a:schemeClr val="accent2">
+              <a:lumMod val="75000"/>
+            </a:schemeClr>
+          </a:solidFill>
+        </p:spPr>
+        <p:style>
+          <a:lnRef idx="2">
+            <a:schemeClr val="accent1">
+              <a:shade val="50000"/>
+            </a:schemeClr>
+          </a:lnRef>
+          <a:fillRef idx="1">
+            <a:schemeClr val="accent1"/>
+          </a:fillRef>
+          <a:effectRef idx="0">
+            <a:schemeClr val="accent1"/>
+          </a:effectRef>
+          <a:fontRef idx="minor">
+            <a:schemeClr val="lt1"/>
+          </a:fontRef>
+        </p:style>
+        <p:txBody>
+          <a:bodyPr rtlCol="0" anchor="ctr"/>
+          <a:lstStyle/>
+          <a:p>
+            <a:pPr algn="ctr"/>
+            <a:r>
+              <a:rPr lang="en-NL" sz="800" dirty="0"/>
+              <a:t>Private Data</a:t>
+            </a:r>
+          </a:p>
+        </p:txBody>
+      </p:sp>
+      <p:sp>
+        <p:nvSpPr>
+          <p:cNvPr id="21" name="Can 20">
+            <a:extLst>
+              <a:ext uri="{FF2B5EF4-FFF2-40B4-BE49-F238E27FC236}">
+                <a16:creationId xmlns:a16="http://schemas.microsoft.com/office/drawing/2014/main" id="{12105B74-D6F4-D6B5-4D63-F962EFA975AF}"/>
+              </a:ext>
+            </a:extLst>
+          </p:cNvPr>
+          <p:cNvSpPr/>
+          <p:nvPr/>
+        </p:nvSpPr>
+        <p:spPr>
+          <a:xfrm>
+            <a:off x="7171370" y="2970492"/>
+            <a:ext cx="609945" cy="306004"/>
+          </a:xfrm>
+          <a:prstGeom prst="can">
+            <a:avLst/>
+          </a:prstGeom>
+          <a:solidFill>
+            <a:schemeClr val="accent6">
+              <a:lumMod val="75000"/>
+            </a:schemeClr>
+          </a:solidFill>
+        </p:spPr>
+        <p:style>
+          <a:lnRef idx="2">
+            <a:schemeClr val="accent1">
+              <a:shade val="50000"/>
+            </a:schemeClr>
+          </a:lnRef>
+          <a:fillRef idx="1">
+            <a:schemeClr val="accent1"/>
+          </a:fillRef>
+          <a:effectRef idx="0">
+            <a:schemeClr val="accent1"/>
+          </a:effectRef>
+          <a:fontRef idx="minor">
+            <a:schemeClr val="lt1"/>
+          </a:fontRef>
+        </p:style>
+        <p:txBody>
+          <a:bodyPr rtlCol="0" anchor="ctr"/>
+          <a:lstStyle/>
+          <a:p>
+            <a:pPr algn="ctr"/>
+            <a:r>
+              <a:rPr lang="en-NL" sz="800" dirty="0"/>
+              <a:t>Private Data</a:t>
+            </a:r>
+          </a:p>
+        </p:txBody>
+      </p:sp>
+      <p:sp>
+        <p:nvSpPr>
+          <p:cNvPr id="22" name="TextBox 21">
+            <a:extLst>
+              <a:ext uri="{FF2B5EF4-FFF2-40B4-BE49-F238E27FC236}">
+                <a16:creationId xmlns:a16="http://schemas.microsoft.com/office/drawing/2014/main" id="{C5404216-D5C7-B4EB-F7A1-7BBF2A144F83}"/>
+              </a:ext>
+            </a:extLst>
+          </p:cNvPr>
+          <p:cNvSpPr txBox="1"/>
+          <p:nvPr/>
+        </p:nvSpPr>
+        <p:spPr>
+          <a:xfrm>
+            <a:off x="2251489" y="2839408"/>
+            <a:ext cx="1872458" cy="461665"/>
+          </a:xfrm>
+          <a:prstGeom prst="rect">
+            <a:avLst/>
+          </a:prstGeom>
+          <a:noFill/>
+        </p:spPr>
+        <p:txBody>
+          <a:bodyPr wrap="square" rtlCol="0">
+            <a:spAutoFit/>
+          </a:bodyPr>
+          <a:lstStyle/>
+          <a:p>
+            <a:r>
+              <a:rPr lang="en-NL" sz="1200" i="1" dirty="0"/>
+              <a:t>Federated Learning using trusted DDM infrastructure</a:t>
+            </a:r>
+          </a:p>
+        </p:txBody>
+      </p:sp>
+      <p:sp>
+        <p:nvSpPr>
+          <p:cNvPr id="23" name="Process 22">
+            <a:extLst>
+              <a:ext uri="{FF2B5EF4-FFF2-40B4-BE49-F238E27FC236}">
+                <a16:creationId xmlns:a16="http://schemas.microsoft.com/office/drawing/2014/main" id="{9FA32455-AEE2-EA09-703F-D5A9E8C7311F}"/>
+              </a:ext>
+            </a:extLst>
+          </p:cNvPr>
+          <p:cNvSpPr/>
+          <p:nvPr/>
+        </p:nvSpPr>
+        <p:spPr>
+          <a:xfrm>
+            <a:off x="4400012" y="2522126"/>
+            <a:ext cx="817442" cy="246351"/>
+          </a:xfrm>
+          <a:prstGeom prst="flowChartProcess">
+            <a:avLst/>
+          </a:prstGeom>
+        </p:spPr>
+        <p:style>
+          <a:lnRef idx="2">
+            <a:schemeClr val="accent1">
+              <a:shade val="50000"/>
+            </a:schemeClr>
+          </a:lnRef>
+          <a:fillRef idx="1">
+            <a:schemeClr val="accent1"/>
+          </a:fillRef>
+          <a:effectRef idx="0">
+            <a:schemeClr val="accent1"/>
+          </a:effectRef>
+          <a:fontRef idx="minor">
+            <a:schemeClr val="lt1"/>
+          </a:fontRef>
+        </p:style>
+        <p:txBody>
+          <a:bodyPr rtlCol="0" anchor="ctr"/>
+          <a:lstStyle/>
+          <a:p>
+            <a:pPr algn="ctr"/>
+            <a:r>
+              <a:rPr lang="en-NL" sz="1000" dirty="0"/>
+              <a:t>Local Model</a:t>
+            </a:r>
+          </a:p>
+        </p:txBody>
+      </p:sp>
+      <p:sp>
+        <p:nvSpPr>
+          <p:cNvPr id="24" name="Process 23">
+            <a:extLst>
+              <a:ext uri="{FF2B5EF4-FFF2-40B4-BE49-F238E27FC236}">
+                <a16:creationId xmlns:a16="http://schemas.microsoft.com/office/drawing/2014/main" id="{A0EE0485-DA15-8E60-1883-23175A85C38D}"/>
+              </a:ext>
+            </a:extLst>
+          </p:cNvPr>
+          <p:cNvSpPr/>
+          <p:nvPr/>
+        </p:nvSpPr>
+        <p:spPr>
+          <a:xfrm>
+            <a:off x="5834789" y="2510448"/>
+            <a:ext cx="817442" cy="246351"/>
+          </a:xfrm>
+          <a:prstGeom prst="flowChartProcess">
+            <a:avLst/>
+          </a:prstGeom>
+          <a:solidFill>
+            <a:schemeClr val="accent2">
+              <a:lumMod val="75000"/>
+            </a:schemeClr>
+          </a:solidFill>
+        </p:spPr>
+        <p:style>
+          <a:lnRef idx="2">
+            <a:schemeClr val="accent1">
+              <a:shade val="50000"/>
+            </a:schemeClr>
+          </a:lnRef>
+          <a:fillRef idx="1">
+            <a:schemeClr val="accent1"/>
+          </a:fillRef>
+          <a:effectRef idx="0">
+            <a:schemeClr val="accent1"/>
+          </a:effectRef>
+          <a:fontRef idx="minor">
+            <a:schemeClr val="lt1"/>
+          </a:fontRef>
+        </p:style>
+        <p:txBody>
+          <a:bodyPr rtlCol="0" anchor="ctr"/>
+          <a:lstStyle/>
+          <a:p>
+            <a:pPr algn="ctr"/>
+            <a:r>
+              <a:rPr lang="en-NL" sz="1000" dirty="0"/>
+              <a:t>Local Model </a:t>
+            </a:r>
+          </a:p>
+        </p:txBody>
+      </p:sp>
+      <p:sp>
+        <p:nvSpPr>
+          <p:cNvPr id="25" name="Process 24">
+            <a:extLst>
+              <a:ext uri="{FF2B5EF4-FFF2-40B4-BE49-F238E27FC236}">
+                <a16:creationId xmlns:a16="http://schemas.microsoft.com/office/drawing/2014/main" id="{8B17EBA7-7ADA-B122-6F19-3AFB6731B8DF}"/>
+              </a:ext>
+            </a:extLst>
+          </p:cNvPr>
+          <p:cNvSpPr/>
+          <p:nvPr/>
+        </p:nvSpPr>
+        <p:spPr>
+          <a:xfrm>
+            <a:off x="7102493" y="2518995"/>
+            <a:ext cx="817442" cy="246351"/>
+          </a:xfrm>
+          <a:prstGeom prst="flowChartProcess">
+            <a:avLst/>
+          </a:prstGeom>
+          <a:solidFill>
+            <a:schemeClr val="accent6">
+              <a:lumMod val="75000"/>
+            </a:schemeClr>
+          </a:solidFill>
+        </p:spPr>
+        <p:style>
+          <a:lnRef idx="2">
+            <a:schemeClr val="accent1">
+              <a:shade val="50000"/>
+            </a:schemeClr>
+          </a:lnRef>
+          <a:fillRef idx="1">
+            <a:schemeClr val="accent1"/>
+          </a:fillRef>
+          <a:effectRef idx="0">
+            <a:schemeClr val="accent1"/>
+          </a:effectRef>
+          <a:fontRef idx="minor">
+            <a:schemeClr val="lt1"/>
+          </a:fontRef>
+        </p:style>
+        <p:txBody>
+          <a:bodyPr rtlCol="0" anchor="ctr"/>
+          <a:lstStyle/>
+          <a:p>
+            <a:pPr algn="ctr"/>
+            <a:r>
+              <a:rPr lang="en-NL" sz="1000" dirty="0"/>
+              <a:t>Local Model</a:t>
+            </a:r>
+          </a:p>
+        </p:txBody>
+      </p:sp>
+      <p:cxnSp>
+        <p:nvCxnSpPr>
+          <p:cNvPr id="30" name="Straight Arrow Connector 29">
+            <a:extLst>
+              <a:ext uri="{FF2B5EF4-FFF2-40B4-BE49-F238E27FC236}">
+                <a16:creationId xmlns:a16="http://schemas.microsoft.com/office/drawing/2014/main" id="{74EC5834-3DDA-63B0-83C2-CFB8312ADBFE}"/>
+              </a:ext>
+            </a:extLst>
+          </p:cNvPr>
+          <p:cNvCxnSpPr>
+            <a:cxnSpLocks/>
+          </p:cNvCxnSpPr>
+          <p:nvPr/>
+        </p:nvCxnSpPr>
+        <p:spPr>
+          <a:xfrm flipH="1" flipV="1">
+            <a:off x="4817693" y="3288430"/>
+            <a:ext cx="17342" cy="562664"/>
+          </a:xfrm>
+          <a:prstGeom prst="straightConnector1">
+            <a:avLst/>
+          </a:prstGeom>
+          <a:ln>
+            <a:tailEnd type="triangle"/>
+          </a:ln>
+        </p:spPr>
+        <p:style>
+          <a:lnRef idx="1">
+            <a:schemeClr val="accent1"/>
+          </a:lnRef>
+          <a:fillRef idx="0">
+            <a:schemeClr val="accent1"/>
+          </a:fillRef>
+          <a:effectRef idx="0">
+            <a:schemeClr val="accent1"/>
+          </a:effectRef>
+          <a:fontRef idx="minor">
+            <a:schemeClr val="tx1"/>
+          </a:fontRef>
+        </p:style>
+      </p:cxnSp>
+      <p:cxnSp>
+        <p:nvCxnSpPr>
+          <p:cNvPr id="33" name="Straight Arrow Connector 32">
+            <a:extLst>
+              <a:ext uri="{FF2B5EF4-FFF2-40B4-BE49-F238E27FC236}">
+                <a16:creationId xmlns:a16="http://schemas.microsoft.com/office/drawing/2014/main" id="{68B8AF77-01B7-532C-41FE-0B5DE6566446}"/>
+              </a:ext>
+            </a:extLst>
+          </p:cNvPr>
+          <p:cNvCxnSpPr>
+            <a:cxnSpLocks/>
+          </p:cNvCxnSpPr>
+          <p:nvPr/>
+        </p:nvCxnSpPr>
+        <p:spPr>
+          <a:xfrm flipV="1">
+            <a:off x="6264449" y="3298977"/>
+            <a:ext cx="2362" cy="598585"/>
+          </a:xfrm>
+          <a:prstGeom prst="straightConnector1">
+            <a:avLst/>
+          </a:prstGeom>
+          <a:ln>
+            <a:solidFill>
+              <a:schemeClr val="accent2">
+                <a:lumMod val="75000"/>
+              </a:schemeClr>
+            </a:solidFill>
+            <a:tailEnd type="triangle"/>
+          </a:ln>
+        </p:spPr>
+        <p:style>
+          <a:lnRef idx="1">
+            <a:schemeClr val="accent1"/>
+          </a:lnRef>
+          <a:fillRef idx="0">
+            <a:schemeClr val="accent1"/>
+          </a:fillRef>
+          <a:effectRef idx="0">
+            <a:schemeClr val="accent1"/>
+          </a:effectRef>
+          <a:fontRef idx="minor">
+            <a:schemeClr val="tx1"/>
+          </a:fontRef>
+        </p:style>
+      </p:cxnSp>
+      <p:cxnSp>
+        <p:nvCxnSpPr>
+          <p:cNvPr id="35" name="Straight Arrow Connector 34">
+            <a:extLst>
+              <a:ext uri="{FF2B5EF4-FFF2-40B4-BE49-F238E27FC236}">
+                <a16:creationId xmlns:a16="http://schemas.microsoft.com/office/drawing/2014/main" id="{A8A1532B-10DD-8DDB-FE38-76F9C99B161A}"/>
+              </a:ext>
+            </a:extLst>
+          </p:cNvPr>
+          <p:cNvCxnSpPr/>
+          <p:nvPr/>
+        </p:nvCxnSpPr>
+        <p:spPr>
+          <a:xfrm flipV="1">
+            <a:off x="4808733" y="2753170"/>
+            <a:ext cx="0" cy="237791"/>
+          </a:xfrm>
+          <a:prstGeom prst="straightConnector1">
+            <a:avLst/>
+          </a:prstGeom>
+          <a:ln>
+            <a:headEnd type="triangle"/>
+            <a:tailEnd type="triangle"/>
+          </a:ln>
+        </p:spPr>
+        <p:style>
+          <a:lnRef idx="1">
+            <a:schemeClr val="accent1"/>
+          </a:lnRef>
+          <a:fillRef idx="0">
+            <a:schemeClr val="accent1"/>
+          </a:fillRef>
+          <a:effectRef idx="0">
+            <a:schemeClr val="accent1"/>
+          </a:effectRef>
+          <a:fontRef idx="minor">
+            <a:schemeClr val="tx1"/>
+          </a:fontRef>
+        </p:style>
+      </p:cxnSp>
+      <p:cxnSp>
+        <p:nvCxnSpPr>
+          <p:cNvPr id="36" name="Straight Arrow Connector 35">
+            <a:extLst>
+              <a:ext uri="{FF2B5EF4-FFF2-40B4-BE49-F238E27FC236}">
+                <a16:creationId xmlns:a16="http://schemas.microsoft.com/office/drawing/2014/main" id="{22343029-25DE-C412-4038-511D4DADEBF5}"/>
+              </a:ext>
+            </a:extLst>
+          </p:cNvPr>
+          <p:cNvCxnSpPr/>
+          <p:nvPr/>
+        </p:nvCxnSpPr>
+        <p:spPr>
+          <a:xfrm flipV="1">
+            <a:off x="6264449" y="2753170"/>
+            <a:ext cx="0" cy="237791"/>
+          </a:xfrm>
+          <a:prstGeom prst="straightConnector1">
+            <a:avLst/>
+          </a:prstGeom>
+          <a:ln>
+            <a:solidFill>
+              <a:schemeClr val="accent2">
+                <a:lumMod val="75000"/>
+              </a:schemeClr>
+            </a:solidFill>
+            <a:headEnd type="triangle"/>
+            <a:tailEnd type="triangle"/>
+          </a:ln>
+        </p:spPr>
+        <p:style>
+          <a:lnRef idx="1">
+            <a:schemeClr val="accent1"/>
+          </a:lnRef>
+          <a:fillRef idx="0">
+            <a:schemeClr val="accent1"/>
+          </a:fillRef>
+          <a:effectRef idx="0">
+            <a:schemeClr val="accent1"/>
+          </a:effectRef>
+          <a:fontRef idx="minor">
+            <a:schemeClr val="tx1"/>
+          </a:fontRef>
+        </p:style>
+      </p:cxnSp>
+      <p:cxnSp>
+        <p:nvCxnSpPr>
+          <p:cNvPr id="37" name="Straight Arrow Connector 36">
+            <a:extLst>
+              <a:ext uri="{FF2B5EF4-FFF2-40B4-BE49-F238E27FC236}">
+                <a16:creationId xmlns:a16="http://schemas.microsoft.com/office/drawing/2014/main" id="{D6AC149A-51F3-9E40-8182-6DCFF17E83CE}"/>
+              </a:ext>
+            </a:extLst>
+          </p:cNvPr>
+          <p:cNvCxnSpPr/>
+          <p:nvPr/>
+        </p:nvCxnSpPr>
+        <p:spPr>
+          <a:xfrm flipV="1">
+            <a:off x="7493626" y="2753170"/>
+            <a:ext cx="0" cy="237791"/>
+          </a:xfrm>
+          <a:prstGeom prst="straightConnector1">
+            <a:avLst/>
+          </a:prstGeom>
+          <a:ln>
+            <a:solidFill>
+              <a:schemeClr val="accent6">
+                <a:lumMod val="75000"/>
+              </a:schemeClr>
+            </a:solidFill>
+            <a:headEnd type="triangle"/>
+            <a:tailEnd type="triangle"/>
+          </a:ln>
+        </p:spPr>
+        <p:style>
+          <a:lnRef idx="1">
+            <a:schemeClr val="accent1"/>
+          </a:lnRef>
+          <a:fillRef idx="0">
+            <a:schemeClr val="accent1"/>
+          </a:fillRef>
+          <a:effectRef idx="0">
+            <a:schemeClr val="accent1"/>
+          </a:effectRef>
+          <a:fontRef idx="minor">
+            <a:schemeClr val="tx1"/>
+          </a:fontRef>
+        </p:style>
+      </p:cxnSp>
+      <p:cxnSp>
+        <p:nvCxnSpPr>
+          <p:cNvPr id="38" name="Straight Arrow Connector 37">
+            <a:extLst>
+              <a:ext uri="{FF2B5EF4-FFF2-40B4-BE49-F238E27FC236}">
+                <a16:creationId xmlns:a16="http://schemas.microsoft.com/office/drawing/2014/main" id="{6A71D45C-5F2A-2427-F00D-D62C4AB6C386}"/>
+              </a:ext>
+            </a:extLst>
+          </p:cNvPr>
+          <p:cNvCxnSpPr>
+            <a:cxnSpLocks/>
+          </p:cNvCxnSpPr>
+          <p:nvPr/>
+        </p:nvCxnSpPr>
+        <p:spPr>
+          <a:xfrm flipH="1" flipV="1">
+            <a:off x="7492089" y="3278423"/>
+            <a:ext cx="1538" cy="600344"/>
+          </a:xfrm>
+          <a:prstGeom prst="straightConnector1">
+            <a:avLst/>
+          </a:prstGeom>
+          <a:ln>
+            <a:solidFill>
+              <a:schemeClr val="accent6">
+                <a:lumMod val="75000"/>
+              </a:schemeClr>
+            </a:solidFill>
+            <a:tailEnd type="triangle"/>
+          </a:ln>
+        </p:spPr>
+        <p:style>
+          <a:lnRef idx="1">
+            <a:schemeClr val="accent1"/>
+          </a:lnRef>
+          <a:fillRef idx="0">
+            <a:schemeClr val="accent1"/>
+          </a:fillRef>
+          <a:effectRef idx="0">
+            <a:schemeClr val="accent1"/>
+          </a:effectRef>
+          <a:fontRef idx="minor">
+            <a:schemeClr val="tx1"/>
+          </a:fontRef>
+        </p:style>
+      </p:cxnSp>
+      <p:sp>
+        <p:nvSpPr>
+          <p:cNvPr id="39" name="Rectangle 38">
+            <a:extLst>
+              <a:ext uri="{FF2B5EF4-FFF2-40B4-BE49-F238E27FC236}">
+                <a16:creationId xmlns:a16="http://schemas.microsoft.com/office/drawing/2014/main" id="{28AE0FB9-F36B-A95D-5E13-1D4409BEFFA7}"/>
+              </a:ext>
+            </a:extLst>
+          </p:cNvPr>
+          <p:cNvSpPr/>
+          <p:nvPr/>
+        </p:nvSpPr>
+        <p:spPr>
+          <a:xfrm>
+            <a:off x="4546600" y="1953874"/>
+            <a:ext cx="3255750" cy="248697"/>
+          </a:xfrm>
+          <a:prstGeom prst="rect">
+            <a:avLst/>
+          </a:prstGeom>
+          <a:solidFill>
+            <a:schemeClr val="accent3">
+              <a:lumMod val="40000"/>
+              <a:lumOff val="60000"/>
+            </a:schemeClr>
+          </a:solidFill>
+        </p:spPr>
+        <p:style>
+          <a:lnRef idx="2">
+            <a:schemeClr val="accent1">
+              <a:shade val="50000"/>
+            </a:schemeClr>
+          </a:lnRef>
+          <a:fillRef idx="1">
+            <a:schemeClr val="accent1"/>
+          </a:fillRef>
+          <a:effectRef idx="0">
+            <a:schemeClr val="accent1"/>
+          </a:effectRef>
+          <a:fontRef idx="minor">
+            <a:schemeClr val="lt1"/>
+          </a:fontRef>
+        </p:style>
+        <p:txBody>
+          <a:bodyPr rtlCol="0" anchor="ctr"/>
+          <a:lstStyle/>
+          <a:p>
+            <a:pPr algn="ctr"/>
+            <a:r>
+              <a:rPr lang="en-NL" sz="1400" dirty="0">
+                <a:solidFill>
+                  <a:schemeClr val="tx1"/>
+                </a:solidFill>
+              </a:rPr>
+              <a:t>Aggregation</a:t>
+            </a:r>
+          </a:p>
+        </p:txBody>
+      </p:sp>
+      <p:cxnSp>
+        <p:nvCxnSpPr>
+          <p:cNvPr id="41" name="Straight Arrow Connector 40">
+            <a:extLst>
+              <a:ext uri="{FF2B5EF4-FFF2-40B4-BE49-F238E27FC236}">
+                <a16:creationId xmlns:a16="http://schemas.microsoft.com/office/drawing/2014/main" id="{95BF94ED-6A6E-0A20-6C37-E5E71F79629B}"/>
+              </a:ext>
+            </a:extLst>
+          </p:cNvPr>
+          <p:cNvCxnSpPr>
+            <a:cxnSpLocks/>
+          </p:cNvCxnSpPr>
+          <p:nvPr/>
+        </p:nvCxnSpPr>
+        <p:spPr>
+          <a:xfrm flipV="1">
+            <a:off x="6174475" y="1536810"/>
+            <a:ext cx="0" cy="363216"/>
+          </a:xfrm>
+          <a:prstGeom prst="straightConnector1">
+            <a:avLst/>
+          </a:prstGeom>
+          <a:ln>
+            <a:solidFill>
+              <a:schemeClr val="accent3"/>
+            </a:solidFill>
+            <a:headEnd type="triangle"/>
+            <a:tailEnd type="triangle"/>
+          </a:ln>
+        </p:spPr>
+        <p:style>
+          <a:lnRef idx="1">
+            <a:schemeClr val="accent1"/>
+          </a:lnRef>
+          <a:fillRef idx="0">
+            <a:schemeClr val="accent1"/>
+          </a:fillRef>
+          <a:effectRef idx="0">
+            <a:schemeClr val="accent1"/>
+          </a:effectRef>
+          <a:fontRef idx="minor">
+            <a:schemeClr val="tx1"/>
+          </a:fontRef>
+        </p:style>
+      </p:cxnSp>
+      <p:cxnSp>
+        <p:nvCxnSpPr>
+          <p:cNvPr id="45" name="Straight Arrow Connector 44">
+            <a:extLst>
+              <a:ext uri="{FF2B5EF4-FFF2-40B4-BE49-F238E27FC236}">
+                <a16:creationId xmlns:a16="http://schemas.microsoft.com/office/drawing/2014/main" id="{2A529912-3C03-228A-0C3F-C38D9200C6A9}"/>
+              </a:ext>
+            </a:extLst>
+          </p:cNvPr>
+          <p:cNvCxnSpPr>
+            <a:cxnSpLocks/>
+          </p:cNvCxnSpPr>
+          <p:nvPr/>
+        </p:nvCxnSpPr>
+        <p:spPr>
+          <a:xfrm flipV="1">
+            <a:off x="4822241" y="2202571"/>
+            <a:ext cx="0" cy="324879"/>
+          </a:xfrm>
+          <a:prstGeom prst="straightConnector1">
+            <a:avLst/>
+          </a:prstGeom>
+          <a:ln>
+            <a:headEnd type="triangle"/>
+            <a:tailEnd type="triangle"/>
+          </a:ln>
+        </p:spPr>
+        <p:style>
+          <a:lnRef idx="1">
+            <a:schemeClr val="accent1"/>
+          </a:lnRef>
+          <a:fillRef idx="0">
+            <a:schemeClr val="accent1"/>
+          </a:fillRef>
+          <a:effectRef idx="0">
+            <a:schemeClr val="accent1"/>
+          </a:effectRef>
+          <a:fontRef idx="minor">
+            <a:schemeClr val="tx1"/>
+          </a:fontRef>
+        </p:style>
+      </p:cxnSp>
+      <p:cxnSp>
+        <p:nvCxnSpPr>
+          <p:cNvPr id="46" name="Straight Arrow Connector 45">
+            <a:extLst>
+              <a:ext uri="{FF2B5EF4-FFF2-40B4-BE49-F238E27FC236}">
+                <a16:creationId xmlns:a16="http://schemas.microsoft.com/office/drawing/2014/main" id="{BA2831B7-D16B-D050-26A5-82F0576031F0}"/>
+              </a:ext>
+            </a:extLst>
+          </p:cNvPr>
+          <p:cNvCxnSpPr>
+            <a:cxnSpLocks/>
+          </p:cNvCxnSpPr>
+          <p:nvPr/>
+        </p:nvCxnSpPr>
+        <p:spPr>
+          <a:xfrm flipV="1">
+            <a:off x="6264449" y="2202571"/>
+            <a:ext cx="0" cy="303107"/>
+          </a:xfrm>
+          <a:prstGeom prst="straightConnector1">
+            <a:avLst/>
+          </a:prstGeom>
+          <a:ln>
+            <a:solidFill>
+              <a:schemeClr val="accent2">
+                <a:lumMod val="75000"/>
+              </a:schemeClr>
+            </a:solidFill>
+            <a:headEnd type="triangle"/>
+            <a:tailEnd type="triangle"/>
+          </a:ln>
+        </p:spPr>
+        <p:style>
+          <a:lnRef idx="1">
+            <a:schemeClr val="accent1"/>
+          </a:lnRef>
+          <a:fillRef idx="0">
+            <a:schemeClr val="accent1"/>
+          </a:fillRef>
+          <a:effectRef idx="0">
+            <a:schemeClr val="accent1"/>
+          </a:effectRef>
+          <a:fontRef idx="minor">
+            <a:schemeClr val="tx1"/>
+          </a:fontRef>
+        </p:style>
+      </p:cxnSp>
+      <p:cxnSp>
+        <p:nvCxnSpPr>
+          <p:cNvPr id="47" name="Straight Arrow Connector 46">
+            <a:extLst>
+              <a:ext uri="{FF2B5EF4-FFF2-40B4-BE49-F238E27FC236}">
+                <a16:creationId xmlns:a16="http://schemas.microsoft.com/office/drawing/2014/main" id="{B4F65D2D-C036-43D2-EB8E-710470A79F06}"/>
+              </a:ext>
+            </a:extLst>
+          </p:cNvPr>
+          <p:cNvCxnSpPr>
+            <a:cxnSpLocks/>
+          </p:cNvCxnSpPr>
+          <p:nvPr/>
+        </p:nvCxnSpPr>
+        <p:spPr>
+          <a:xfrm flipH="1" flipV="1">
+            <a:off x="7492089" y="2202571"/>
+            <a:ext cx="1537" cy="303107"/>
+          </a:xfrm>
+          <a:prstGeom prst="straightConnector1">
+            <a:avLst/>
+          </a:prstGeom>
+          <a:ln>
+            <a:solidFill>
+              <a:schemeClr val="accent6">
+                <a:lumMod val="75000"/>
+              </a:schemeClr>
+            </a:solidFill>
+            <a:headEnd type="triangle"/>
+            <a:tailEnd type="triangle"/>
+          </a:ln>
+        </p:spPr>
+        <p:style>
+          <a:lnRef idx="1">
+            <a:schemeClr val="accent1"/>
+          </a:lnRef>
+          <a:fillRef idx="0">
+            <a:schemeClr val="accent1"/>
+          </a:fillRef>
+          <a:effectRef idx="0">
+            <a:schemeClr val="accent1"/>
+          </a:effectRef>
+          <a:fontRef idx="minor">
+            <a:schemeClr val="tx1"/>
+          </a:fontRef>
+        </p:style>
+      </p:cxnSp>
+      <p:sp>
+        <p:nvSpPr>
+          <p:cNvPr id="51" name="TextBox 50">
+            <a:extLst>
+              <a:ext uri="{FF2B5EF4-FFF2-40B4-BE49-F238E27FC236}">
+                <a16:creationId xmlns:a16="http://schemas.microsoft.com/office/drawing/2014/main" id="{373FE041-6641-A997-C14B-A130ED369030}"/>
+              </a:ext>
+            </a:extLst>
+          </p:cNvPr>
+          <p:cNvSpPr txBox="1"/>
+          <p:nvPr/>
+        </p:nvSpPr>
+        <p:spPr>
+          <a:xfrm>
+            <a:off x="2764555" y="5066004"/>
+            <a:ext cx="1433534" cy="307777"/>
+          </a:xfrm>
+          <a:prstGeom prst="rect">
+            <a:avLst/>
+          </a:prstGeom>
+          <a:noFill/>
+        </p:spPr>
+        <p:txBody>
+          <a:bodyPr wrap="none" rtlCol="0">
+            <a:spAutoFit/>
+          </a:bodyPr>
+          <a:lstStyle/>
+          <a:p>
+            <a:r>
+              <a:rPr lang="en-NL" sz="1400" b="1" dirty="0"/>
+              <a:t>Private Data Set</a:t>
+            </a:r>
+            <a:r>
+              <a:rPr lang="en-NL" sz="1400" b="1" baseline="30000" dirty="0"/>
+              <a:t>*</a:t>
+            </a:r>
+            <a:endParaRPr lang="en-NL" sz="1400" b="1" dirty="0"/>
+          </a:p>
+        </p:txBody>
+      </p:sp>
+      <p:sp>
+        <p:nvSpPr>
+          <p:cNvPr id="52" name="TextBox 51">
+            <a:extLst>
+              <a:ext uri="{FF2B5EF4-FFF2-40B4-BE49-F238E27FC236}">
+                <a16:creationId xmlns:a16="http://schemas.microsoft.com/office/drawing/2014/main" id="{42C04581-1326-1744-0AEE-EA46D2297470}"/>
+              </a:ext>
+            </a:extLst>
+          </p:cNvPr>
+          <p:cNvSpPr txBox="1"/>
+          <p:nvPr/>
+        </p:nvSpPr>
+        <p:spPr>
+          <a:xfrm>
+            <a:off x="2774605" y="5578585"/>
+            <a:ext cx="1363065" cy="307777"/>
+          </a:xfrm>
+          <a:prstGeom prst="rect">
+            <a:avLst/>
+          </a:prstGeom>
+          <a:noFill/>
+        </p:spPr>
+        <p:txBody>
+          <a:bodyPr wrap="none" rtlCol="0">
+            <a:spAutoFit/>
+          </a:bodyPr>
+          <a:lstStyle/>
+          <a:p>
+            <a:r>
+              <a:rPr lang="en-NL" sz="1400" b="1" dirty="0"/>
+              <a:t>Public Data Set</a:t>
+            </a:r>
+            <a:r>
+              <a:rPr lang="en-NL" sz="1400" b="1" baseline="30000" dirty="0"/>
+              <a:t>*</a:t>
+            </a:r>
+            <a:endParaRPr lang="en-NL" sz="1400" b="1" dirty="0"/>
+          </a:p>
+        </p:txBody>
+      </p:sp>
+      <p:sp>
+        <p:nvSpPr>
+          <p:cNvPr id="53" name="TextBox 52">
+            <a:extLst>
+              <a:ext uri="{FF2B5EF4-FFF2-40B4-BE49-F238E27FC236}">
+                <a16:creationId xmlns:a16="http://schemas.microsoft.com/office/drawing/2014/main" id="{7B7D3991-7CB8-60F4-00FE-8FCFBBB99826}"/>
+              </a:ext>
+            </a:extLst>
+          </p:cNvPr>
+          <p:cNvSpPr txBox="1"/>
+          <p:nvPr/>
+        </p:nvSpPr>
+        <p:spPr>
+          <a:xfrm>
+            <a:off x="4135184" y="5111840"/>
+            <a:ext cx="822661" cy="246221"/>
+          </a:xfrm>
+          <a:prstGeom prst="rect">
+            <a:avLst/>
+          </a:prstGeom>
+          <a:noFill/>
+        </p:spPr>
+        <p:txBody>
+          <a:bodyPr wrap="none" rtlCol="0">
+            <a:spAutoFit/>
+          </a:bodyPr>
+          <a:lstStyle/>
+          <a:p>
+            <a:pPr marL="171450" indent="-171450">
+              <a:buFont typeface="Arial" panose="020B0604020202020204" pitchFamily="34" charset="0"/>
+              <a:buChar char="•"/>
+            </a:pPr>
+            <a:r>
+              <a:rPr lang="en-NL" sz="1000" dirty="0"/>
+              <a:t>787 SCU </a:t>
+            </a:r>
+          </a:p>
+        </p:txBody>
+      </p:sp>
+      <p:sp>
+        <p:nvSpPr>
+          <p:cNvPr id="54" name="TextBox 53">
+            <a:extLst>
+              <a:ext uri="{FF2B5EF4-FFF2-40B4-BE49-F238E27FC236}">
+                <a16:creationId xmlns:a16="http://schemas.microsoft.com/office/drawing/2014/main" id="{B48981E3-D685-D9D3-7660-BEC5F4AA1BFF}"/>
+              </a:ext>
+            </a:extLst>
+          </p:cNvPr>
+          <p:cNvSpPr txBox="1"/>
+          <p:nvPr/>
+        </p:nvSpPr>
+        <p:spPr>
+          <a:xfrm>
+            <a:off x="4173424" y="5622924"/>
+            <a:ext cx="984565" cy="400110"/>
+          </a:xfrm>
+          <a:prstGeom prst="rect">
+            <a:avLst/>
+          </a:prstGeom>
+          <a:noFill/>
+        </p:spPr>
+        <p:txBody>
+          <a:bodyPr wrap="none" rtlCol="0">
+            <a:spAutoFit/>
+          </a:bodyPr>
+          <a:lstStyle/>
+          <a:p>
+            <a:r>
+              <a:rPr lang="en-NL" sz="1000" dirty="0"/>
+              <a:t>CMAPSS FD001</a:t>
+            </a:r>
+          </a:p>
+          <a:p>
+            <a:r>
+              <a:rPr lang="en-NL" sz="1000" dirty="0"/>
+              <a:t>( 30 Engines)</a:t>
+            </a:r>
+          </a:p>
+        </p:txBody>
+      </p:sp>
+      <p:cxnSp>
+        <p:nvCxnSpPr>
+          <p:cNvPr id="56" name="Straight Connector 55">
+            <a:extLst>
+              <a:ext uri="{FF2B5EF4-FFF2-40B4-BE49-F238E27FC236}">
+                <a16:creationId xmlns:a16="http://schemas.microsoft.com/office/drawing/2014/main" id="{A89EAAA9-D3EE-F4E5-BC62-E46C95CD9C05}"/>
+              </a:ext>
+            </a:extLst>
+          </p:cNvPr>
+          <p:cNvCxnSpPr>
+            <a:cxnSpLocks/>
+          </p:cNvCxnSpPr>
+          <p:nvPr/>
+        </p:nvCxnSpPr>
+        <p:spPr>
+          <a:xfrm>
+            <a:off x="5542853" y="3537027"/>
+            <a:ext cx="0" cy="2486007"/>
+          </a:xfrm>
+          <a:prstGeom prst="line">
+            <a:avLst/>
+          </a:prstGeom>
+          <a:ln>
+            <a:solidFill>
+              <a:schemeClr val="accent3"/>
+            </a:solidFill>
+            <a:prstDash val="dashDot"/>
+          </a:ln>
+        </p:spPr>
+        <p:style>
+          <a:lnRef idx="1">
+            <a:schemeClr val="accent1"/>
+          </a:lnRef>
+          <a:fillRef idx="0">
+            <a:schemeClr val="accent1"/>
+          </a:fillRef>
+          <a:effectRef idx="0">
+            <a:schemeClr val="accent1"/>
+          </a:effectRef>
+          <a:fontRef idx="minor">
+            <a:schemeClr val="tx1"/>
+          </a:fontRef>
+        </p:style>
+      </p:cxnSp>
+      <p:cxnSp>
+        <p:nvCxnSpPr>
+          <p:cNvPr id="58" name="Straight Connector 57">
+            <a:extLst>
+              <a:ext uri="{FF2B5EF4-FFF2-40B4-BE49-F238E27FC236}">
+                <a16:creationId xmlns:a16="http://schemas.microsoft.com/office/drawing/2014/main" id="{FFD35FBB-B717-36AD-3FBD-31D77E23E0BC}"/>
+              </a:ext>
+            </a:extLst>
+          </p:cNvPr>
+          <p:cNvCxnSpPr>
+            <a:cxnSpLocks/>
+          </p:cNvCxnSpPr>
+          <p:nvPr/>
+        </p:nvCxnSpPr>
+        <p:spPr>
+          <a:xfrm flipH="1">
+            <a:off x="6837378" y="3559933"/>
+            <a:ext cx="22860" cy="2467345"/>
+          </a:xfrm>
+          <a:prstGeom prst="line">
+            <a:avLst/>
+          </a:prstGeom>
+          <a:ln>
+            <a:solidFill>
+              <a:schemeClr val="accent3"/>
+            </a:solidFill>
+            <a:prstDash val="dashDot"/>
+          </a:ln>
+        </p:spPr>
+        <p:style>
+          <a:lnRef idx="1">
+            <a:schemeClr val="accent1"/>
+          </a:lnRef>
+          <a:fillRef idx="0">
+            <a:schemeClr val="accent1"/>
+          </a:fillRef>
+          <a:effectRef idx="0">
+            <a:schemeClr val="accent1"/>
+          </a:effectRef>
+          <a:fontRef idx="minor">
+            <a:schemeClr val="tx1"/>
+          </a:fontRef>
+        </p:style>
+      </p:cxnSp>
+      <p:sp>
+        <p:nvSpPr>
+          <p:cNvPr id="59" name="TextBox 58">
+            <a:extLst>
+              <a:ext uri="{FF2B5EF4-FFF2-40B4-BE49-F238E27FC236}">
+                <a16:creationId xmlns:a16="http://schemas.microsoft.com/office/drawing/2014/main" id="{F3A1ED75-394F-83AE-A4DB-B248CED2F6D2}"/>
+              </a:ext>
+            </a:extLst>
+          </p:cNvPr>
+          <p:cNvSpPr txBox="1"/>
+          <p:nvPr/>
+        </p:nvSpPr>
+        <p:spPr>
+          <a:xfrm>
+            <a:off x="5651353" y="5622924"/>
+            <a:ext cx="984565" cy="400110"/>
+          </a:xfrm>
+          <a:prstGeom prst="rect">
+            <a:avLst/>
+          </a:prstGeom>
+          <a:noFill/>
+        </p:spPr>
+        <p:txBody>
+          <a:bodyPr wrap="none" rtlCol="0">
+            <a:spAutoFit/>
+          </a:bodyPr>
+          <a:lstStyle/>
+          <a:p>
+            <a:r>
+              <a:rPr lang="en-NL" sz="1000" dirty="0"/>
+              <a:t>CMAPSS FD001</a:t>
+            </a:r>
+          </a:p>
+          <a:p>
+            <a:r>
+              <a:rPr lang="en-NL" sz="1000" dirty="0"/>
+              <a:t>( 30 Engines)</a:t>
+            </a:r>
+          </a:p>
+        </p:txBody>
+      </p:sp>
+      <p:sp>
+        <p:nvSpPr>
+          <p:cNvPr id="60" name="TextBox 59">
+            <a:extLst>
+              <a:ext uri="{FF2B5EF4-FFF2-40B4-BE49-F238E27FC236}">
+                <a16:creationId xmlns:a16="http://schemas.microsoft.com/office/drawing/2014/main" id="{74E2549D-C29B-EE12-25D1-FE8113F44A74}"/>
+              </a:ext>
+            </a:extLst>
+          </p:cNvPr>
+          <p:cNvSpPr txBox="1"/>
+          <p:nvPr/>
+        </p:nvSpPr>
+        <p:spPr>
+          <a:xfrm>
+            <a:off x="7111951" y="5622924"/>
+            <a:ext cx="984565" cy="400110"/>
+          </a:xfrm>
+          <a:prstGeom prst="rect">
+            <a:avLst/>
+          </a:prstGeom>
+          <a:noFill/>
+        </p:spPr>
+        <p:txBody>
+          <a:bodyPr wrap="none" rtlCol="0">
+            <a:spAutoFit/>
+          </a:bodyPr>
+          <a:lstStyle/>
+          <a:p>
+            <a:r>
+              <a:rPr lang="en-NL" sz="1000" dirty="0"/>
+              <a:t>CMAPSS FD001</a:t>
+            </a:r>
+          </a:p>
+          <a:p>
+            <a:r>
+              <a:rPr lang="en-NL" sz="1000" dirty="0"/>
+              <a:t>( 30 Engines)</a:t>
+            </a:r>
+          </a:p>
+        </p:txBody>
+      </p:sp>
+      <p:sp>
+        <p:nvSpPr>
+          <p:cNvPr id="2" name="TextBox 1">
+            <a:extLst>
+              <a:ext uri="{FF2B5EF4-FFF2-40B4-BE49-F238E27FC236}">
+                <a16:creationId xmlns:a16="http://schemas.microsoft.com/office/drawing/2014/main" id="{A928CD94-8406-1ADD-CA80-B93B35C87AD2}"/>
+              </a:ext>
+            </a:extLst>
+          </p:cNvPr>
+          <p:cNvSpPr txBox="1"/>
+          <p:nvPr/>
+        </p:nvSpPr>
+        <p:spPr>
+          <a:xfrm>
+            <a:off x="5697869" y="5111839"/>
+            <a:ext cx="822661" cy="246221"/>
+          </a:xfrm>
+          <a:prstGeom prst="rect">
+            <a:avLst/>
+          </a:prstGeom>
+          <a:noFill/>
+        </p:spPr>
+        <p:txBody>
+          <a:bodyPr wrap="none" rtlCol="0">
+            <a:spAutoFit/>
+          </a:bodyPr>
+          <a:lstStyle/>
+          <a:p>
+            <a:pPr marL="171450" indent="-171450">
+              <a:buFont typeface="Arial" panose="020B0604020202020204" pitchFamily="34" charset="0"/>
+              <a:buChar char="•"/>
+            </a:pPr>
+            <a:r>
+              <a:rPr lang="en-NL" sz="1000" dirty="0"/>
+              <a:t>787 SCU </a:t>
+            </a:r>
+          </a:p>
+        </p:txBody>
+      </p:sp>
+      <p:sp>
+        <p:nvSpPr>
+          <p:cNvPr id="3" name="TextBox 2">
+            <a:extLst>
+              <a:ext uri="{FF2B5EF4-FFF2-40B4-BE49-F238E27FC236}">
+                <a16:creationId xmlns:a16="http://schemas.microsoft.com/office/drawing/2014/main" id="{1F83D099-164A-2A77-D9F5-90EB992781B5}"/>
+              </a:ext>
+            </a:extLst>
+          </p:cNvPr>
+          <p:cNvSpPr txBox="1"/>
+          <p:nvPr/>
+        </p:nvSpPr>
+        <p:spPr>
+          <a:xfrm>
+            <a:off x="7114578" y="5111022"/>
+            <a:ext cx="822661" cy="246221"/>
+          </a:xfrm>
+          <a:prstGeom prst="rect">
+            <a:avLst/>
+          </a:prstGeom>
+          <a:noFill/>
+        </p:spPr>
+        <p:txBody>
+          <a:bodyPr wrap="none" rtlCol="0">
+            <a:spAutoFit/>
+          </a:bodyPr>
+          <a:lstStyle/>
+          <a:p>
+            <a:pPr marL="171450" indent="-171450">
+              <a:buFont typeface="Arial" panose="020B0604020202020204" pitchFamily="34" charset="0"/>
+              <a:buChar char="•"/>
+            </a:pPr>
+            <a:r>
+              <a:rPr lang="en-NL" sz="1000" dirty="0"/>
+              <a:t>787 SCU</a:t>
+            </a:r>
+          </a:p>
+        </p:txBody>
+      </p:sp>
+      <p:sp>
+        <p:nvSpPr>
+          <p:cNvPr id="13" name="Rectangle 12">
+            <a:extLst>
+              <a:ext uri="{FF2B5EF4-FFF2-40B4-BE49-F238E27FC236}">
+                <a16:creationId xmlns:a16="http://schemas.microsoft.com/office/drawing/2014/main" id="{B3967F7E-6AF2-D2CA-1BC4-FB409D0EE355}"/>
+              </a:ext>
+            </a:extLst>
+          </p:cNvPr>
+          <p:cNvSpPr/>
+          <p:nvPr/>
+        </p:nvSpPr>
+        <p:spPr>
+          <a:xfrm>
+            <a:off x="2491304" y="3722907"/>
+            <a:ext cx="5600304" cy="1650874"/>
+          </a:xfrm>
+          <a:prstGeom prst="rect">
+            <a:avLst/>
+          </a:prstGeom>
+          <a:noFill/>
+          <a:ln>
+            <a:solidFill>
+              <a:schemeClr val="tx1"/>
+            </a:solidFill>
+            <a:prstDash val="dash"/>
+          </a:ln>
+        </p:spPr>
+        <p:style>
+          <a:lnRef idx="2">
+            <a:schemeClr val="accent1">
+              <a:shade val="50000"/>
+            </a:schemeClr>
+          </a:lnRef>
+          <a:fillRef idx="1">
+            <a:schemeClr val="accent1"/>
+          </a:fillRef>
+          <a:effectRef idx="0">
+            <a:schemeClr val="accent1"/>
+          </a:effectRef>
+          <a:fontRef idx="minor">
+            <a:schemeClr val="lt1"/>
+          </a:fontRef>
+        </p:style>
+        <p:txBody>
+          <a:bodyPr rtlCol="0" anchor="ctr"/>
+          <a:lstStyle/>
+          <a:p>
+            <a:pPr algn="ctr"/>
+            <a:endParaRPr lang="en-NL"/>
+          </a:p>
+        </p:txBody>
+      </p:sp>
+      <p:cxnSp>
+        <p:nvCxnSpPr>
+          <p:cNvPr id="26" name="Straight Connector 25">
+            <a:extLst>
+              <a:ext uri="{FF2B5EF4-FFF2-40B4-BE49-F238E27FC236}">
+                <a16:creationId xmlns:a16="http://schemas.microsoft.com/office/drawing/2014/main" id="{76F81918-667E-9582-FBA8-360821086940}"/>
+              </a:ext>
+            </a:extLst>
+          </p:cNvPr>
+          <p:cNvCxnSpPr>
+            <a:cxnSpLocks/>
+          </p:cNvCxnSpPr>
+          <p:nvPr/>
+        </p:nvCxnSpPr>
+        <p:spPr>
+          <a:xfrm>
+            <a:off x="4128119" y="3534291"/>
+            <a:ext cx="12363" cy="2488743"/>
+          </a:xfrm>
+          <a:prstGeom prst="line">
+            <a:avLst/>
+          </a:prstGeom>
+          <a:ln>
+            <a:solidFill>
+              <a:schemeClr val="accent3"/>
+            </a:solidFill>
+            <a:prstDash val="dashDot"/>
+          </a:ln>
+        </p:spPr>
+        <p:style>
+          <a:lnRef idx="1">
+            <a:schemeClr val="accent1"/>
+          </a:lnRef>
+          <a:fillRef idx="0">
+            <a:schemeClr val="accent1"/>
+          </a:fillRef>
+          <a:effectRef idx="0">
+            <a:schemeClr val="accent1"/>
+          </a:effectRef>
+          <a:fontRef idx="minor">
+            <a:schemeClr val="tx1"/>
+          </a:fontRef>
+        </p:style>
+      </p:cxnSp>
+      <p:cxnSp>
+        <p:nvCxnSpPr>
+          <p:cNvPr id="27" name="Straight Connector 26">
+            <a:extLst>
+              <a:ext uri="{FF2B5EF4-FFF2-40B4-BE49-F238E27FC236}">
+                <a16:creationId xmlns:a16="http://schemas.microsoft.com/office/drawing/2014/main" id="{5965A9EB-C76B-856C-59B4-785E1B54C3C8}"/>
+              </a:ext>
+            </a:extLst>
+          </p:cNvPr>
+          <p:cNvCxnSpPr>
+            <a:cxnSpLocks/>
+          </p:cNvCxnSpPr>
+          <p:nvPr/>
+        </p:nvCxnSpPr>
+        <p:spPr>
+          <a:xfrm flipH="1">
+            <a:off x="8082684" y="3483583"/>
+            <a:ext cx="2454" cy="2561400"/>
+          </a:xfrm>
+          <a:prstGeom prst="line">
+            <a:avLst/>
+          </a:prstGeom>
+          <a:ln>
+            <a:solidFill>
+              <a:schemeClr val="accent3"/>
+            </a:solidFill>
+            <a:prstDash val="dashDot"/>
+          </a:ln>
+        </p:spPr>
+        <p:style>
+          <a:lnRef idx="1">
+            <a:schemeClr val="accent1"/>
+          </a:lnRef>
+          <a:fillRef idx="0">
+            <a:schemeClr val="accent1"/>
+          </a:fillRef>
+          <a:effectRef idx="0">
+            <a:schemeClr val="accent1"/>
+          </a:effectRef>
+          <a:fontRef idx="minor">
+            <a:schemeClr val="tx1"/>
+          </a:fontRef>
+        </p:style>
+      </p:cxnSp>
+      <p:sp>
+        <p:nvSpPr>
+          <p:cNvPr id="71" name="TextBox 70">
+            <a:extLst>
+              <a:ext uri="{FF2B5EF4-FFF2-40B4-BE49-F238E27FC236}">
+                <a16:creationId xmlns:a16="http://schemas.microsoft.com/office/drawing/2014/main" id="{6804DFC6-1812-9393-C4A1-5B8998216374}"/>
+              </a:ext>
+            </a:extLst>
+          </p:cNvPr>
+          <p:cNvSpPr txBox="1"/>
+          <p:nvPr/>
+        </p:nvSpPr>
+        <p:spPr>
+          <a:xfrm>
+            <a:off x="2793623" y="6180527"/>
+            <a:ext cx="5268118" cy="461665"/>
+          </a:xfrm>
+          <a:prstGeom prst="rect">
+            <a:avLst/>
+          </a:prstGeom>
+          <a:noFill/>
+        </p:spPr>
+        <p:txBody>
+          <a:bodyPr wrap="square" rtlCol="0">
+            <a:spAutoFit/>
+          </a:bodyPr>
+          <a:lstStyle/>
+          <a:p>
+            <a:r>
+              <a:rPr lang="en-NL" sz="1200" i="1" baseline="30000" dirty="0"/>
+              <a:t>*</a:t>
+            </a:r>
+            <a:r>
+              <a:rPr lang="en-NL" sz="1200" i="1" dirty="0"/>
+              <a:t> The data set is split to simulate isolated pools of private data for independent workers to apply Federated L</a:t>
+            </a:r>
+            <a:r>
+              <a:rPr lang="en-GB" sz="1200" i="1" dirty="0"/>
+              <a:t>e</a:t>
+            </a:r>
+            <a:r>
+              <a:rPr lang="en-NL" sz="1200" i="1" dirty="0"/>
+              <a:t>arning techniques. </a:t>
+            </a:r>
+            <a:endParaRPr lang="en-NL" sz="1200" i="1" baseline="30000" dirty="0"/>
+          </a:p>
+        </p:txBody>
+      </p:sp>
+      <p:sp>
+        <p:nvSpPr>
+          <p:cNvPr id="83" name="TextBox 82">
+            <a:extLst>
+              <a:ext uri="{FF2B5EF4-FFF2-40B4-BE49-F238E27FC236}">
+                <a16:creationId xmlns:a16="http://schemas.microsoft.com/office/drawing/2014/main" id="{E3B484B0-CF15-F3D6-EF43-7DC873D74C59}"/>
+              </a:ext>
+            </a:extLst>
+          </p:cNvPr>
+          <p:cNvSpPr txBox="1"/>
+          <p:nvPr/>
+        </p:nvSpPr>
+        <p:spPr>
+          <a:xfrm>
+            <a:off x="4777623" y="2148256"/>
+            <a:ext cx="628416" cy="400110"/>
+          </a:xfrm>
+          <a:prstGeom prst="rect">
+            <a:avLst/>
+          </a:prstGeom>
+          <a:noFill/>
+        </p:spPr>
+        <p:txBody>
+          <a:bodyPr wrap="square" rtlCol="0">
+            <a:spAutoFit/>
+          </a:bodyPr>
+          <a:lstStyle/>
+          <a:p>
+            <a:r>
+              <a:rPr lang="en-NL" sz="1000" dirty="0"/>
+              <a:t>Model Updates</a:t>
+            </a:r>
+          </a:p>
+        </p:txBody>
+      </p:sp>
+      <p:sp>
+        <p:nvSpPr>
+          <p:cNvPr id="87" name="TextBox 86">
+            <a:extLst>
+              <a:ext uri="{FF2B5EF4-FFF2-40B4-BE49-F238E27FC236}">
+                <a16:creationId xmlns:a16="http://schemas.microsoft.com/office/drawing/2014/main" id="{BE6A9A29-476D-FA13-5742-B2FAE5A44721}"/>
+              </a:ext>
+            </a:extLst>
+          </p:cNvPr>
+          <p:cNvSpPr txBox="1"/>
+          <p:nvPr/>
+        </p:nvSpPr>
+        <p:spPr>
+          <a:xfrm>
+            <a:off x="6249854" y="2163311"/>
+            <a:ext cx="628416" cy="400110"/>
+          </a:xfrm>
+          <a:prstGeom prst="rect">
+            <a:avLst/>
+          </a:prstGeom>
+          <a:noFill/>
+        </p:spPr>
+        <p:txBody>
+          <a:bodyPr wrap="square" rtlCol="0">
+            <a:spAutoFit/>
+          </a:bodyPr>
+          <a:lstStyle/>
+          <a:p>
+            <a:r>
+              <a:rPr lang="en-NL" sz="1000" dirty="0"/>
+              <a:t>Model Updates</a:t>
+            </a:r>
+          </a:p>
+        </p:txBody>
+      </p:sp>
+      <p:sp>
+        <p:nvSpPr>
+          <p:cNvPr id="88" name="TextBox 87">
+            <a:extLst>
+              <a:ext uri="{FF2B5EF4-FFF2-40B4-BE49-F238E27FC236}">
+                <a16:creationId xmlns:a16="http://schemas.microsoft.com/office/drawing/2014/main" id="{BBC008F1-12F4-4B41-7CD1-6762B0F222C4}"/>
+              </a:ext>
+            </a:extLst>
+          </p:cNvPr>
+          <p:cNvSpPr txBox="1"/>
+          <p:nvPr/>
+        </p:nvSpPr>
+        <p:spPr>
+          <a:xfrm>
+            <a:off x="7476342" y="2158971"/>
+            <a:ext cx="628416" cy="400110"/>
+          </a:xfrm>
+          <a:prstGeom prst="rect">
+            <a:avLst/>
+          </a:prstGeom>
+          <a:noFill/>
+        </p:spPr>
+        <p:txBody>
+          <a:bodyPr wrap="square" rtlCol="0">
+            <a:spAutoFit/>
+          </a:bodyPr>
+          <a:lstStyle/>
+          <a:p>
+            <a:r>
+              <a:rPr lang="en-NL" sz="1000" dirty="0"/>
+              <a:t>Model Updates</a:t>
+            </a:r>
+          </a:p>
+        </p:txBody>
+      </p:sp>
+    </p:spTree>
+    <p:extLst>
+      <p:ext uri="{BB962C8B-B14F-4D97-AF65-F5344CB8AC3E}">
+        <p14:creationId xmlns:p14="http://schemas.microsoft.com/office/powerpoint/2010/main" val="285226475"/>
       </p:ext>
     </p:extLst>
   </p:cSld>
